--- a/docs/askpi.pptx
+++ b/docs/askpi.pptx
@@ -288,7 +288,7 @@
           <a:p>
             <a:fld id="{0DB0A905-9901-4894-BCCE-7FB5E93179C8}" type="datetimeFigureOut">
               <a:rPr lang="en-US" smtClean="0"/>
-              <a:t>7/22/2017</a:t>
+              <a:t>10/15/2017</a:t>
             </a:fld>
             <a:endParaRPr lang="en-US"/>
           </a:p>
@@ -458,7 +458,7 @@
           <a:p>
             <a:fld id="{0DB0A905-9901-4894-BCCE-7FB5E93179C8}" type="datetimeFigureOut">
               <a:rPr lang="en-US" smtClean="0"/>
-              <a:t>7/22/2017</a:t>
+              <a:t>10/15/2017</a:t>
             </a:fld>
             <a:endParaRPr lang="en-US"/>
           </a:p>
@@ -638,7 +638,7 @@
           <a:p>
             <a:fld id="{0DB0A905-9901-4894-BCCE-7FB5E93179C8}" type="datetimeFigureOut">
               <a:rPr lang="en-US" smtClean="0"/>
-              <a:t>7/22/2017</a:t>
+              <a:t>10/15/2017</a:t>
             </a:fld>
             <a:endParaRPr lang="en-US"/>
           </a:p>
@@ -808,7 +808,7 @@
           <a:p>
             <a:fld id="{0DB0A905-9901-4894-BCCE-7FB5E93179C8}" type="datetimeFigureOut">
               <a:rPr lang="en-US" smtClean="0"/>
-              <a:t>7/22/2017</a:t>
+              <a:t>10/15/2017</a:t>
             </a:fld>
             <a:endParaRPr lang="en-US"/>
           </a:p>
@@ -1054,7 +1054,7 @@
           <a:p>
             <a:fld id="{0DB0A905-9901-4894-BCCE-7FB5E93179C8}" type="datetimeFigureOut">
               <a:rPr lang="en-US" smtClean="0"/>
-              <a:t>7/22/2017</a:t>
+              <a:t>10/15/2017</a:t>
             </a:fld>
             <a:endParaRPr lang="en-US"/>
           </a:p>
@@ -1342,7 +1342,7 @@
           <a:p>
             <a:fld id="{0DB0A905-9901-4894-BCCE-7FB5E93179C8}" type="datetimeFigureOut">
               <a:rPr lang="en-US" smtClean="0"/>
-              <a:t>7/22/2017</a:t>
+              <a:t>10/15/2017</a:t>
             </a:fld>
             <a:endParaRPr lang="en-US"/>
           </a:p>
@@ -1764,7 +1764,7 @@
           <a:p>
             <a:fld id="{0DB0A905-9901-4894-BCCE-7FB5E93179C8}" type="datetimeFigureOut">
               <a:rPr lang="en-US" smtClean="0"/>
-              <a:t>7/22/2017</a:t>
+              <a:t>10/15/2017</a:t>
             </a:fld>
             <a:endParaRPr lang="en-US"/>
           </a:p>
@@ -1882,7 +1882,7 @@
           <a:p>
             <a:fld id="{0DB0A905-9901-4894-BCCE-7FB5E93179C8}" type="datetimeFigureOut">
               <a:rPr lang="en-US" smtClean="0"/>
-              <a:t>7/22/2017</a:t>
+              <a:t>10/15/2017</a:t>
             </a:fld>
             <a:endParaRPr lang="en-US"/>
           </a:p>
@@ -1977,7 +1977,7 @@
           <a:p>
             <a:fld id="{0DB0A905-9901-4894-BCCE-7FB5E93179C8}" type="datetimeFigureOut">
               <a:rPr lang="en-US" smtClean="0"/>
-              <a:t>7/22/2017</a:t>
+              <a:t>10/15/2017</a:t>
             </a:fld>
             <a:endParaRPr lang="en-US"/>
           </a:p>
@@ -2254,7 +2254,7 @@
           <a:p>
             <a:fld id="{0DB0A905-9901-4894-BCCE-7FB5E93179C8}" type="datetimeFigureOut">
               <a:rPr lang="en-US" smtClean="0"/>
-              <a:t>7/22/2017</a:t>
+              <a:t>10/15/2017</a:t>
             </a:fld>
             <a:endParaRPr lang="en-US"/>
           </a:p>
@@ -2507,7 +2507,7 @@
           <a:p>
             <a:fld id="{0DB0A905-9901-4894-BCCE-7FB5E93179C8}" type="datetimeFigureOut">
               <a:rPr lang="en-US" smtClean="0"/>
-              <a:t>7/22/2017</a:t>
+              <a:t>10/15/2017</a:t>
             </a:fld>
             <a:endParaRPr lang="en-US"/>
           </a:p>
@@ -2720,7 +2720,7 @@
           <a:p>
             <a:fld id="{0DB0A905-9901-4894-BCCE-7FB5E93179C8}" type="datetimeFigureOut">
               <a:rPr lang="en-US" smtClean="0"/>
-              <a:t>7/22/2017</a:t>
+              <a:t>10/15/2017</a:t>
             </a:fld>
             <a:endParaRPr lang="en-US"/>
           </a:p>
@@ -3118,7 +3118,7 @@
         </p:blipFill>
         <p:spPr bwMode="auto">
           <a:xfrm>
-            <a:off x="2209800" y="4232087"/>
+            <a:off x="1447566" y="4054758"/>
             <a:ext cx="214312" cy="432998"/>
           </a:xfrm>
           <a:prstGeom prst="rect">
@@ -3159,7 +3159,7 @@
         </p:blipFill>
         <p:spPr bwMode="auto">
           <a:xfrm>
-            <a:off x="5160270" y="4244787"/>
+            <a:off x="4648200" y="4084825"/>
             <a:ext cx="511493" cy="404080"/>
           </a:xfrm>
           <a:prstGeom prst="rect">
@@ -3198,7 +3198,7 @@
         </p:blipFill>
         <p:spPr bwMode="auto">
           <a:xfrm>
-            <a:off x="2666872" y="1176319"/>
+            <a:off x="1867313" y="602469"/>
             <a:ext cx="304928" cy="500081"/>
           </a:xfrm>
           <a:prstGeom prst="rect">
@@ -3237,7 +3237,7 @@
         </p:blipFill>
         <p:spPr bwMode="auto">
           <a:xfrm>
-            <a:off x="5218252" y="1830672"/>
+            <a:off x="5339887" y="2969499"/>
             <a:ext cx="1066801" cy="611901"/>
           </a:xfrm>
           <a:prstGeom prst="rect">
@@ -3263,7 +3263,7 @@
         </p:nvSpPr>
         <p:spPr>
           <a:xfrm>
-            <a:off x="2406756" y="2100917"/>
+            <a:off x="1600200" y="1664444"/>
             <a:ext cx="839153" cy="274460"/>
           </a:xfrm>
           <a:prstGeom prst="rect">
@@ -3320,7 +3320,7 @@
         </p:blipFill>
         <p:spPr bwMode="auto">
           <a:xfrm>
-            <a:off x="2441937" y="2758830"/>
+            <a:off x="1447566" y="3055462"/>
             <a:ext cx="349477" cy="439973"/>
           </a:xfrm>
           <a:prstGeom prst="rect">
@@ -3346,8 +3346,8 @@
         </p:nvSpPr>
         <p:spPr>
           <a:xfrm>
-            <a:off x="2210089" y="1828800"/>
-            <a:ext cx="4419311" cy="1604306"/>
+            <a:off x="1295399" y="1424544"/>
+            <a:ext cx="5334001" cy="2156856"/>
           </a:xfrm>
           <a:prstGeom prst="rect">
             <a:avLst/>
@@ -3381,14 +3381,14 @@
       </p:sp>
       <p:sp>
         <p:nvSpPr>
-          <p:cNvPr id="15" name="Rectangle 14"/>
+          <p:cNvPr id="16" name="Rectangle 15"/>
           <p:cNvSpPr/>
           <p:nvPr/>
         </p:nvSpPr>
         <p:spPr>
           <a:xfrm>
-            <a:off x="3165275" y="2763724"/>
-            <a:ext cx="839153" cy="285767"/>
+            <a:off x="5361850" y="2535612"/>
+            <a:ext cx="927601" cy="283582"/>
           </a:xfrm>
           <a:prstGeom prst="rect">
             <a:avLst/>
@@ -3414,12 +3414,12 @@
           <a:p>
             <a:pPr algn="ctr"/>
             <a:r>
-              <a:rPr lang="en-US" sz="1400" dirty="0"/>
-              <a:t>a</a:t>
-            </a:r>
-            <a:r>
-              <a:rPr lang="en-US" sz="1400" dirty="0" smtClean="0"/>
-              <a:t>skpi.sh</a:t>
+              <a:rPr lang="en-US" sz="1400" dirty="0" err="1"/>
+              <a:t>i</a:t>
+            </a:r>
+            <a:r>
+              <a:rPr lang="en-US" sz="1400" dirty="0" err="1" smtClean="0"/>
+              <a:t>ndex.cgi</a:t>
             </a:r>
             <a:endParaRPr lang="en-US" sz="1400" dirty="0"/>
           </a:p>
@@ -3427,14 +3427,14 @@
       </p:sp>
       <p:sp>
         <p:nvSpPr>
-          <p:cNvPr id="16" name="Rectangle 15"/>
+          <p:cNvPr id="17" name="Rectangle 16"/>
           <p:cNvSpPr/>
           <p:nvPr/>
         </p:nvSpPr>
         <p:spPr>
           <a:xfrm>
-            <a:off x="5356005" y="2758830"/>
-            <a:ext cx="927601" cy="283582"/>
+            <a:off x="5354884" y="2119111"/>
+            <a:ext cx="894170" cy="260090"/>
           </a:xfrm>
           <a:prstGeom prst="rect">
             <a:avLst/>
@@ -3461,53 +3461,11 @@
             <a:pPr algn="ctr"/>
             <a:r>
               <a:rPr lang="en-US" sz="1400" dirty="0" err="1"/>
-              <a:t>i</a:t>
+              <a:t>c</a:t>
             </a:r>
             <a:r>
               <a:rPr lang="en-US" sz="1400" dirty="0" err="1" smtClean="0"/>
-              <a:t>ndex.cgi</a:t>
-            </a:r>
-            <a:endParaRPr lang="en-US" sz="1400" dirty="0"/>
-          </a:p>
-        </p:txBody>
-      </p:sp>
-      <p:sp>
-        <p:nvSpPr>
-          <p:cNvPr id="17" name="Rectangle 16"/>
-          <p:cNvSpPr/>
-          <p:nvPr/>
-        </p:nvSpPr>
-        <p:spPr>
-          <a:xfrm>
-            <a:off x="5356006" y="2442573"/>
-            <a:ext cx="927600" cy="260090"/>
-          </a:xfrm>
-          <a:prstGeom prst="rect">
-            <a:avLst/>
-          </a:prstGeom>
-        </p:spPr>
-        <p:style>
-          <a:lnRef idx="1">
-            <a:schemeClr val="accent3"/>
-          </a:lnRef>
-          <a:fillRef idx="2">
-            <a:schemeClr val="accent3"/>
-          </a:fillRef>
-          <a:effectRef idx="1">
-            <a:schemeClr val="accent3"/>
-          </a:effectRef>
-          <a:fontRef idx="minor">
-            <a:schemeClr val="dk1"/>
-          </a:fontRef>
-        </p:style>
-        <p:txBody>
-          <a:bodyPr rtlCol="0" anchor="ctr"/>
-          <a:lstStyle/>
-          <a:p>
-            <a:pPr algn="ctr"/>
-            <a:r>
-              <a:rPr lang="en-US" sz="1400" dirty="0" err="1" smtClean="0"/>
-              <a:t>config.cgi</a:t>
+              <a:t>onfig.cgi</a:t>
             </a:r>
             <a:endParaRPr lang="en-US" sz="1400" dirty="0"/>
           </a:p>
@@ -3536,7 +3494,7 @@
         </p:blipFill>
         <p:spPr bwMode="auto">
           <a:xfrm>
-            <a:off x="6094264" y="4203844"/>
+            <a:off x="5943600" y="4048020"/>
             <a:ext cx="471347" cy="447780"/>
           </a:xfrm>
           <a:prstGeom prst="rect">
@@ -3565,8 +3523,8 @@
         </p:nvCxnSpPr>
         <p:spPr>
           <a:xfrm>
-            <a:off x="2819336" y="1676400"/>
-            <a:ext cx="6997" cy="424517"/>
+            <a:off x="2019777" y="1102550"/>
+            <a:ext cx="0" cy="561894"/>
           </a:xfrm>
           <a:prstGeom prst="straightConnector1">
             <a:avLst/>
@@ -3596,14 +3554,14 @@
           <p:cNvPr id="11" name="Straight Arrow Connector 10"/>
           <p:cNvCxnSpPr>
             <a:stCxn id="7" idx="2"/>
-            <a:endCxn id="15" idx="0"/>
+            <a:endCxn id="27" idx="0"/>
           </p:cNvCxnSpPr>
           <p:nvPr/>
         </p:nvCxnSpPr>
         <p:spPr>
           <a:xfrm>
-            <a:off x="2826333" y="2375377"/>
-            <a:ext cx="758519" cy="388347"/>
+            <a:off x="2019777" y="1938904"/>
+            <a:ext cx="1588549" cy="335652"/>
           </a:xfrm>
           <a:prstGeom prst="straightConnector1">
             <a:avLst/>
@@ -3639,8 +3597,8 @@
         </p:nvCxnSpPr>
         <p:spPr>
           <a:xfrm flipH="1">
-            <a:off x="2316956" y="3049491"/>
-            <a:ext cx="1267896" cy="1182596"/>
+            <a:off x="1554722" y="2822377"/>
+            <a:ext cx="2057636" cy="1232381"/>
           </a:xfrm>
           <a:prstGeom prst="straightConnector1">
             <a:avLst/>
@@ -3676,8 +3634,8 @@
         </p:nvCxnSpPr>
         <p:spPr>
           <a:xfrm>
-            <a:off x="3584852" y="3049491"/>
-            <a:ext cx="1831165" cy="1195296"/>
+            <a:off x="3612358" y="2822377"/>
+            <a:ext cx="1291589" cy="1262448"/>
           </a:xfrm>
           <a:prstGeom prst="straightConnector1">
             <a:avLst/>
@@ -3713,8 +3671,8 @@
         </p:nvCxnSpPr>
         <p:spPr>
           <a:xfrm>
-            <a:off x="3584852" y="3049491"/>
-            <a:ext cx="2745086" cy="1154353"/>
+            <a:off x="3612358" y="2822377"/>
+            <a:ext cx="2566916" cy="1225643"/>
           </a:xfrm>
           <a:prstGeom prst="straightConnector1">
             <a:avLst/>
@@ -3750,8 +3708,8 @@
         </p:nvCxnSpPr>
         <p:spPr>
           <a:xfrm flipV="1">
-            <a:off x="4004428" y="2900621"/>
-            <a:ext cx="1351577" cy="5987"/>
+            <a:off x="4031934" y="2677403"/>
+            <a:ext cx="1329916" cy="2091"/>
           </a:xfrm>
           <a:prstGeom prst="straightConnector1">
             <a:avLst/>
@@ -3799,7 +3757,7 @@
         </p:blipFill>
         <p:spPr bwMode="auto">
           <a:xfrm>
-            <a:off x="3330453" y="4232087"/>
+            <a:off x="2085279" y="4541969"/>
             <a:ext cx="708147" cy="381000"/>
           </a:xfrm>
           <a:prstGeom prst="rect">
@@ -3840,7 +3798,7 @@
         </p:blipFill>
         <p:spPr bwMode="auto">
           <a:xfrm>
-            <a:off x="2709676" y="4203879"/>
+            <a:off x="2118638" y="4080881"/>
             <a:ext cx="713445" cy="408024"/>
           </a:xfrm>
           <a:prstGeom prst="rect">
@@ -3869,8 +3827,8 @@
         </p:nvCxnSpPr>
         <p:spPr>
           <a:xfrm flipH="1">
-            <a:off x="3066399" y="3049491"/>
-            <a:ext cx="518453" cy="1154388"/>
+            <a:off x="2475361" y="2822377"/>
+            <a:ext cx="1136997" cy="1258504"/>
           </a:xfrm>
           <a:prstGeom prst="straightConnector1">
             <a:avLst/>
@@ -3903,7 +3861,7 @@
         </p:nvGrpSpPr>
         <p:grpSpPr>
           <a:xfrm>
-            <a:off x="4056043" y="4040093"/>
+            <a:off x="3166827" y="4043472"/>
             <a:ext cx="895698" cy="816986"/>
             <a:chOff x="3221171" y="4469565"/>
             <a:chExt cx="609500" cy="555939"/>
@@ -3999,14 +3957,15 @@
         <p:nvCxnSpPr>
           <p:cNvPr id="19" name="Straight Arrow Connector 18"/>
           <p:cNvCxnSpPr>
+            <a:stCxn id="3" idx="0"/>
             <a:endCxn id="15" idx="2"/>
           </p:cNvCxnSpPr>
           <p:nvPr/>
         </p:nvCxnSpPr>
         <p:spPr>
           <a:xfrm flipH="1" flipV="1">
-            <a:off x="3584852" y="3049491"/>
-            <a:ext cx="834892" cy="1066054"/>
+            <a:off x="3612358" y="2822377"/>
+            <a:ext cx="4229" cy="1221095"/>
           </a:xfrm>
           <a:prstGeom prst="straightConnector1">
             <a:avLst/>
@@ -4039,7 +3998,7 @@
         </p:nvSpPr>
         <p:spPr>
           <a:xfrm>
-            <a:off x="3886013" y="2124177"/>
+            <a:off x="4078750" y="1664444"/>
             <a:ext cx="874250" cy="263900"/>
           </a:xfrm>
           <a:prstGeom prst="rect">
@@ -4082,14 +4041,14 @@
           <p:cNvPr id="35" name="Straight Arrow Connector 34"/>
           <p:cNvCxnSpPr>
             <a:stCxn id="28" idx="2"/>
-            <a:endCxn id="15" idx="0"/>
+            <a:endCxn id="27" idx="0"/>
           </p:cNvCxnSpPr>
           <p:nvPr/>
         </p:nvCxnSpPr>
         <p:spPr>
           <a:xfrm flipH="1">
-            <a:off x="3584852" y="2388077"/>
-            <a:ext cx="738286" cy="375647"/>
+            <a:off x="3608326" y="1928344"/>
+            <a:ext cx="907549" cy="346212"/>
           </a:xfrm>
           <a:prstGeom prst="straightConnector1">
             <a:avLst/>
@@ -4137,7 +4096,7 @@
         </p:blipFill>
         <p:spPr bwMode="auto">
           <a:xfrm>
-            <a:off x="4205288" y="1230702"/>
+            <a:off x="4401403" y="656852"/>
             <a:ext cx="214312" cy="432998"/>
           </a:xfrm>
           <a:prstGeom prst="rect">
@@ -4166,8 +4125,502 @@
         </p:nvCxnSpPr>
         <p:spPr>
           <a:xfrm>
-            <a:off x="4312444" y="1663700"/>
-            <a:ext cx="10694" cy="460477"/>
+            <a:off x="4508559" y="1089850"/>
+            <a:ext cx="7316" cy="574594"/>
+          </a:xfrm>
+          <a:prstGeom prst="straightConnector1">
+            <a:avLst/>
+          </a:prstGeom>
+          <a:ln>
+            <a:headEnd type="none" w="med" len="med"/>
+            <a:tailEnd type="triangle" w="med" len="med"/>
+          </a:ln>
+        </p:spPr>
+        <p:style>
+          <a:lnRef idx="1">
+            <a:schemeClr val="accent1"/>
+          </a:lnRef>
+          <a:fillRef idx="0">
+            <a:schemeClr val="accent1"/>
+          </a:fillRef>
+          <a:effectRef idx="0">
+            <a:schemeClr val="accent1"/>
+          </a:effectRef>
+          <a:fontRef idx="minor">
+            <a:schemeClr val="tx1"/>
+          </a:fontRef>
+        </p:style>
+      </p:cxnSp>
+      <p:pic>
+        <p:nvPicPr>
+          <p:cNvPr id="1027" name="Picture 3" descr="C:\Documents and Settings\Administrator\My Documents\Temporary Files\ir.jpg"/>
+          <p:cNvPicPr>
+            <a:picLocks noChangeAspect="1" noChangeArrowheads="1"/>
+          </p:cNvPicPr>
+          <p:nvPr/>
+        </p:nvPicPr>
+        <p:blipFill>
+          <a:blip r:embed="rId11" cstate="print">
+            <a:extLst>
+              <a:ext uri="{28A0092B-C50C-407E-A947-70E740481C1C}">
+                <a14:useLocalDpi xmlns:a14="http://schemas.microsoft.com/office/drawing/2010/main" val="0"/>
+              </a:ext>
+            </a:extLst>
+          </a:blip>
+          <a:srcRect/>
+          <a:stretch>
+            <a:fillRect/>
+          </a:stretch>
+        </p:blipFill>
+        <p:spPr bwMode="auto">
+          <a:xfrm>
+            <a:off x="2925176" y="493934"/>
+            <a:ext cx="638217" cy="638217"/>
+          </a:xfrm>
+          <a:prstGeom prst="rect">
+            <a:avLst/>
+          </a:prstGeom>
+          <a:noFill/>
+          <a:extLst>
+            <a:ext uri="{909E8E84-426E-40DD-AFC4-6F175D3DCCD1}">
+              <a14:hiddenFill xmlns:a14="http://schemas.microsoft.com/office/drawing/2010/main">
+                <a:solidFill>
+                  <a:srgbClr val="FFFFFF"/>
+                </a:solidFill>
+              </a14:hiddenFill>
+            </a:ext>
+          </a:extLst>
+        </p:spPr>
+      </p:pic>
+      <p:sp>
+        <p:nvSpPr>
+          <p:cNvPr id="32" name="Rectangle 31"/>
+          <p:cNvSpPr/>
+          <p:nvPr/>
+        </p:nvSpPr>
+        <p:spPr>
+          <a:xfrm>
+            <a:off x="2819400" y="1664444"/>
+            <a:ext cx="839153" cy="274460"/>
+          </a:xfrm>
+          <a:prstGeom prst="rect">
+            <a:avLst/>
+          </a:prstGeom>
+        </p:spPr>
+        <p:style>
+          <a:lnRef idx="1">
+            <a:schemeClr val="accent3"/>
+          </a:lnRef>
+          <a:fillRef idx="2">
+            <a:schemeClr val="accent3"/>
+          </a:fillRef>
+          <a:effectRef idx="1">
+            <a:schemeClr val="accent3"/>
+          </a:effectRef>
+          <a:fontRef idx="minor">
+            <a:schemeClr val="dk1"/>
+          </a:fontRef>
+        </p:style>
+        <p:txBody>
+          <a:bodyPr rtlCol="0" anchor="ctr"/>
+          <a:lstStyle/>
+          <a:p>
+            <a:pPr algn="ctr"/>
+            <a:r>
+              <a:rPr lang="en-US" sz="1400" dirty="0" smtClean="0"/>
+              <a:t>ir.sh</a:t>
+            </a:r>
+            <a:endParaRPr lang="en-US" sz="1400" dirty="0"/>
+          </a:p>
+        </p:txBody>
+      </p:sp>
+      <p:cxnSp>
+        <p:nvCxnSpPr>
+          <p:cNvPr id="34" name="Straight Arrow Connector 33"/>
+          <p:cNvCxnSpPr>
+            <a:stCxn id="1027" idx="2"/>
+            <a:endCxn id="32" idx="0"/>
+          </p:cNvCxnSpPr>
+          <p:nvPr/>
+        </p:nvCxnSpPr>
+        <p:spPr>
+          <a:xfrm flipH="1">
+            <a:off x="3238977" y="1132151"/>
+            <a:ext cx="5308" cy="532293"/>
+          </a:xfrm>
+          <a:prstGeom prst="straightConnector1">
+            <a:avLst/>
+          </a:prstGeom>
+          <a:ln>
+            <a:headEnd type="none" w="med" len="med"/>
+            <a:tailEnd type="triangle" w="med" len="med"/>
+          </a:ln>
+        </p:spPr>
+        <p:style>
+          <a:lnRef idx="1">
+            <a:schemeClr val="accent1"/>
+          </a:lnRef>
+          <a:fillRef idx="0">
+            <a:schemeClr val="accent1"/>
+          </a:fillRef>
+          <a:effectRef idx="0">
+            <a:schemeClr val="accent1"/>
+          </a:effectRef>
+          <a:fontRef idx="minor">
+            <a:schemeClr val="tx1"/>
+          </a:fontRef>
+        </p:style>
+      </p:cxnSp>
+      <p:pic>
+        <p:nvPicPr>
+          <p:cNvPr id="27" name="Picture 4"/>
+          <p:cNvPicPr>
+            <a:picLocks noChangeAspect="1" noChangeArrowheads="1"/>
+          </p:cNvPicPr>
+          <p:nvPr/>
+        </p:nvPicPr>
+        <p:blipFill>
+          <a:blip r:embed="rId12" cstate="print">
+            <a:duotone>
+              <a:schemeClr val="accent3">
+                <a:shade val="45000"/>
+                <a:satMod val="135000"/>
+              </a:schemeClr>
+              <a:prstClr val="white"/>
+            </a:duotone>
+            <a:extLst>
+              <a:ext uri="{28A0092B-C50C-407E-A947-70E740481C1C}">
+                <a14:useLocalDpi xmlns:a14="http://schemas.microsoft.com/office/drawing/2010/main" val="0"/>
+              </a:ext>
+            </a:extLst>
+          </a:blip>
+          <a:srcRect/>
+          <a:stretch>
+            <a:fillRect/>
+          </a:stretch>
+        </p:blipFill>
+        <p:spPr bwMode="auto">
+          <a:xfrm>
+            <a:off x="3551176" y="2274556"/>
+            <a:ext cx="114300" cy="316244"/>
+          </a:xfrm>
+          <a:prstGeom prst="rect">
+            <a:avLst/>
+          </a:prstGeom>
+          <a:noFill/>
+          <a:ln>
+            <a:noFill/>
+          </a:ln>
+          <a:extLst>
+            <a:ext uri="{909E8E84-426E-40DD-AFC4-6F175D3DCCD1}">
+              <a14:hiddenFill xmlns:a14="http://schemas.microsoft.com/office/drawing/2010/main">
+                <a:solidFill>
+                  <a:schemeClr val="accent1"/>
+                </a:solidFill>
+              </a14:hiddenFill>
+            </a:ext>
+            <a:ext uri="{91240B29-F687-4F45-9708-019B960494DF}">
+              <a14:hiddenLine xmlns:a14="http://schemas.microsoft.com/office/drawing/2010/main" w="9525">
+                <a:solidFill>
+                  <a:schemeClr val="tx1"/>
+                </a:solidFill>
+                <a:miter lim="800000"/>
+                <a:headEnd/>
+                <a:tailEnd/>
+              </a14:hiddenLine>
+            </a:ext>
+          </a:extLst>
+        </p:spPr>
+      </p:pic>
+      <p:cxnSp>
+        <p:nvCxnSpPr>
+          <p:cNvPr id="47" name="Straight Arrow Connector 46"/>
+          <p:cNvCxnSpPr>
+            <a:stCxn id="32" idx="2"/>
+            <a:endCxn id="27" idx="0"/>
+          </p:cNvCxnSpPr>
+          <p:nvPr/>
+        </p:nvCxnSpPr>
+        <p:spPr>
+          <a:xfrm>
+            <a:off x="3238977" y="1938904"/>
+            <a:ext cx="369349" cy="335652"/>
+          </a:xfrm>
+          <a:prstGeom prst="straightConnector1">
+            <a:avLst/>
+          </a:prstGeom>
+          <a:ln>
+            <a:headEnd type="none" w="med" len="med"/>
+            <a:tailEnd type="triangle" w="med" len="med"/>
+          </a:ln>
+        </p:spPr>
+        <p:style>
+          <a:lnRef idx="1">
+            <a:schemeClr val="accent1"/>
+          </a:lnRef>
+          <a:fillRef idx="0">
+            <a:schemeClr val="accent1"/>
+          </a:fillRef>
+          <a:effectRef idx="0">
+            <a:schemeClr val="accent1"/>
+          </a:effectRef>
+          <a:fontRef idx="minor">
+            <a:schemeClr val="tx1"/>
+          </a:fontRef>
+        </p:style>
+      </p:cxnSp>
+      <p:grpSp>
+        <p:nvGrpSpPr>
+          <p:cNvPr id="42" name="Group 41"/>
+          <p:cNvGrpSpPr/>
+          <p:nvPr/>
+        </p:nvGrpSpPr>
+        <p:grpSpPr>
+          <a:xfrm>
+            <a:off x="5430430" y="475651"/>
+            <a:ext cx="753713" cy="753713"/>
+            <a:chOff x="7315200" y="1424544"/>
+            <a:chExt cx="1340654" cy="1340654"/>
+          </a:xfrm>
+        </p:grpSpPr>
+        <p:pic>
+          <p:nvPicPr>
+            <p:cNvPr id="1031" name="Picture 7"/>
+            <p:cNvPicPr>
+              <a:picLocks noChangeAspect="1" noChangeArrowheads="1"/>
+            </p:cNvPicPr>
+            <p:nvPr/>
+          </p:nvPicPr>
+          <p:blipFill>
+            <a:blip r:embed="rId13">
+              <a:extLst>
+                <a:ext uri="{28A0092B-C50C-407E-A947-70E740481C1C}">
+                  <a14:useLocalDpi xmlns:a14="http://schemas.microsoft.com/office/drawing/2010/main" val="0"/>
+                </a:ext>
+              </a:extLst>
+            </a:blip>
+            <a:srcRect/>
+            <a:stretch>
+              <a:fillRect/>
+            </a:stretch>
+          </p:blipFill>
+          <p:spPr bwMode="auto">
+            <a:xfrm>
+              <a:off x="7315200" y="1424544"/>
+              <a:ext cx="1340654" cy="1340654"/>
+            </a:xfrm>
+            <a:prstGeom prst="rect">
+              <a:avLst/>
+            </a:prstGeom>
+            <a:noFill/>
+            <a:ln>
+              <a:noFill/>
+            </a:ln>
+            <a:extLst>
+              <a:ext uri="{909E8E84-426E-40DD-AFC4-6F175D3DCCD1}">
+                <a14:hiddenFill xmlns:a14="http://schemas.microsoft.com/office/drawing/2010/main">
+                  <a:solidFill>
+                    <a:schemeClr val="accent1"/>
+                  </a:solidFill>
+                </a14:hiddenFill>
+              </a:ext>
+              <a:ext uri="{91240B29-F687-4F45-9708-019B960494DF}">
+                <a14:hiddenLine xmlns:a14="http://schemas.microsoft.com/office/drawing/2010/main" w="9525">
+                  <a:solidFill>
+                    <a:schemeClr val="tx1"/>
+                  </a:solidFill>
+                  <a:miter lim="800000"/>
+                  <a:headEnd/>
+                  <a:tailEnd/>
+                </a14:hiddenLine>
+              </a:ext>
+            </a:extLst>
+          </p:spPr>
+        </p:pic>
+        <p:sp>
+          <p:nvSpPr>
+            <p:cNvPr id="41" name="TextBox 40"/>
+            <p:cNvSpPr txBox="1"/>
+            <p:nvPr/>
+          </p:nvSpPr>
+          <p:spPr>
+            <a:xfrm>
+              <a:off x="7566426" y="1889576"/>
+              <a:ext cx="838199" cy="410588"/>
+            </a:xfrm>
+            <a:prstGeom prst="rect">
+              <a:avLst/>
+            </a:prstGeom>
+            <a:noFill/>
+          </p:spPr>
+          <p:txBody>
+            <a:bodyPr wrap="square" rtlCol="0">
+              <a:spAutoFit/>
+            </a:bodyPr>
+            <a:lstStyle/>
+            <a:p>
+              <a:pPr algn="ctr"/>
+              <a:r>
+                <a:rPr lang="en-US" sz="900" dirty="0" err="1" smtClean="0">
+                  <a:solidFill>
+                    <a:srgbClr val="00B0F0"/>
+                  </a:solidFill>
+                  <a:latin typeface="Comic Sans MS" panose="030F0702030302020204" pitchFamily="66" charset="0"/>
+                </a:rPr>
+                <a:t>alexa</a:t>
+              </a:r>
+              <a:endParaRPr lang="en-US" dirty="0">
+                <a:solidFill>
+                  <a:srgbClr val="00B0F0"/>
+                </a:solidFill>
+                <a:latin typeface="Comic Sans MS" panose="030F0702030302020204" pitchFamily="66" charset="0"/>
+              </a:endParaRPr>
+            </a:p>
+          </p:txBody>
+        </p:sp>
+      </p:grpSp>
+      <p:sp>
+        <p:nvSpPr>
+          <p:cNvPr id="64" name="Rectangle 63"/>
+          <p:cNvSpPr/>
+          <p:nvPr/>
+        </p:nvSpPr>
+        <p:spPr>
+          <a:xfrm>
+            <a:off x="5361850" y="1647756"/>
+            <a:ext cx="898033" cy="260572"/>
+          </a:xfrm>
+          <a:prstGeom prst="rect">
+            <a:avLst/>
+          </a:prstGeom>
+        </p:spPr>
+        <p:style>
+          <a:lnRef idx="1">
+            <a:schemeClr val="accent3"/>
+          </a:lnRef>
+          <a:fillRef idx="2">
+            <a:schemeClr val="accent3"/>
+          </a:fillRef>
+          <a:effectRef idx="1">
+            <a:schemeClr val="accent3"/>
+          </a:effectRef>
+          <a:fontRef idx="minor">
+            <a:schemeClr val="dk1"/>
+          </a:fontRef>
+        </p:style>
+        <p:txBody>
+          <a:bodyPr rtlCol="0" anchor="ctr"/>
+          <a:lstStyle/>
+          <a:p>
+            <a:pPr algn="ctr"/>
+            <a:r>
+              <a:rPr lang="en-US" sz="1400" dirty="0" err="1"/>
+              <a:t>f</a:t>
+            </a:r>
+            <a:r>
+              <a:rPr lang="en-US" sz="1400" dirty="0" err="1" smtClean="0"/>
+              <a:t>ifo.cgi</a:t>
+            </a:r>
+            <a:endParaRPr lang="en-US" sz="1400" dirty="0"/>
+          </a:p>
+        </p:txBody>
+      </p:sp>
+      <p:sp>
+        <p:nvSpPr>
+          <p:cNvPr id="15" name="Rectangle 14"/>
+          <p:cNvSpPr/>
+          <p:nvPr/>
+        </p:nvSpPr>
+        <p:spPr>
+          <a:xfrm>
+            <a:off x="3192781" y="2536610"/>
+            <a:ext cx="839153" cy="285767"/>
+          </a:xfrm>
+          <a:prstGeom prst="rect">
+            <a:avLst/>
+          </a:prstGeom>
+        </p:spPr>
+        <p:style>
+          <a:lnRef idx="1">
+            <a:schemeClr val="accent3"/>
+          </a:lnRef>
+          <a:fillRef idx="2">
+            <a:schemeClr val="accent3"/>
+          </a:fillRef>
+          <a:effectRef idx="1">
+            <a:schemeClr val="accent3"/>
+          </a:effectRef>
+          <a:fontRef idx="minor">
+            <a:schemeClr val="dk1"/>
+          </a:fontRef>
+        </p:style>
+        <p:txBody>
+          <a:bodyPr rtlCol="0" anchor="ctr"/>
+          <a:lstStyle/>
+          <a:p>
+            <a:pPr algn="ctr"/>
+            <a:r>
+              <a:rPr lang="en-US" sz="1400" dirty="0"/>
+              <a:t>a</a:t>
+            </a:r>
+            <a:r>
+              <a:rPr lang="en-US" sz="1400" dirty="0" smtClean="0"/>
+              <a:t>skpi.sh</a:t>
+            </a:r>
+            <a:endParaRPr lang="en-US" sz="1400" dirty="0"/>
+          </a:p>
+        </p:txBody>
+      </p:sp>
+      <p:cxnSp>
+        <p:nvCxnSpPr>
+          <p:cNvPr id="75" name="Straight Arrow Connector 74"/>
+          <p:cNvCxnSpPr>
+            <a:stCxn id="1031" idx="2"/>
+            <a:endCxn id="64" idx="0"/>
+          </p:cNvCxnSpPr>
+          <p:nvPr/>
+        </p:nvCxnSpPr>
+        <p:spPr>
+          <a:xfrm>
+            <a:off x="5807287" y="1229364"/>
+            <a:ext cx="3580" cy="418392"/>
+          </a:xfrm>
+          <a:prstGeom prst="straightConnector1">
+            <a:avLst/>
+          </a:prstGeom>
+          <a:ln>
+            <a:headEnd type="none" w="med" len="med"/>
+            <a:tailEnd type="triangle" w="med" len="med"/>
+          </a:ln>
+        </p:spPr>
+        <p:style>
+          <a:lnRef idx="1">
+            <a:schemeClr val="accent1"/>
+          </a:lnRef>
+          <a:fillRef idx="0">
+            <a:schemeClr val="accent1"/>
+          </a:fillRef>
+          <a:effectRef idx="0">
+            <a:schemeClr val="accent1"/>
+          </a:effectRef>
+          <a:fontRef idx="minor">
+            <a:schemeClr val="tx1"/>
+          </a:fontRef>
+        </p:style>
+      </p:cxnSp>
+      <p:cxnSp>
+        <p:nvCxnSpPr>
+          <p:cNvPr id="89" name="Straight Arrow Connector 88"/>
+          <p:cNvCxnSpPr>
+            <a:stCxn id="64" idx="2"/>
+            <a:endCxn id="27" idx="0"/>
+          </p:cNvCxnSpPr>
+          <p:nvPr/>
+        </p:nvCxnSpPr>
+        <p:spPr>
+          <a:xfrm flipH="1">
+            <a:off x="3608326" y="1908328"/>
+            <a:ext cx="2202541" cy="366228"/>
           </a:xfrm>
           <a:prstGeom prst="straightConnector1">
             <a:avLst/>
